--- a/IEEESeasonalSchoolNFL.pptx
+++ b/IEEESeasonalSchoolNFL.pptx
@@ -5,7 +5,7 @@
     <p:sldMasterId id="2147483648" r:id="rId1"/>
   </p:sldMasterIdLst>
   <p:notesMasterIdLst>
-    <p:notesMasterId r:id="rId58"/>
+    <p:notesMasterId r:id="rId59"/>
   </p:notesMasterIdLst>
   <p:sldIdLst>
     <p:sldId id="257" r:id="rId2"/>
@@ -64,6 +64,7 @@
     <p:sldId id="409" r:id="rId55"/>
     <p:sldId id="411" r:id="rId56"/>
     <p:sldId id="412" r:id="rId57"/>
+    <p:sldId id="413" r:id="rId58"/>
   </p:sldIdLst>
   <p:sldSz cx="12192000" cy="6858000"/>
   <p:notesSz cx="6858000" cy="9144000"/>
@@ -402,7 +403,7 @@
           <a:p>
             <a:fld id="{5372C89E-AE76-CF41-9C0B-87D42EF69527}" type="datetimeFigureOut">
               <a:rPr lang="en-US" smtClean="0"/>
-              <a:t>3/27/22</a:t>
+              <a:t>3/28/22</a:t>
             </a:fld>
             <a:endParaRPr lang="en-US"/>
           </a:p>
@@ -3298,7 +3299,7 @@
           <a:p>
             <a:fld id="{B80681D0-DB48-7245-B07E-3208B72CFBE0}" type="datetime1">
               <a:rPr lang="en-US" smtClean="0"/>
-              <a:t>3/27/22</a:t>
+              <a:t>3/28/22</a:t>
             </a:fld>
             <a:endParaRPr lang="en-US"/>
           </a:p>
@@ -3507,7 +3508,7 @@
           <a:p>
             <a:fld id="{4CF9D738-40E5-FC4B-93A7-2934B796F85F}" type="datetime1">
               <a:rPr lang="en-US" smtClean="0"/>
-              <a:t>3/27/22</a:t>
+              <a:t>3/28/22</a:t>
             </a:fld>
             <a:endParaRPr lang="en-US" dirty="0"/>
           </a:p>
@@ -3892,7 +3893,7 @@
           <a:p>
             <a:fld id="{142E0C36-4868-4145-8FEC-5CDE2B62523B}" type="datetime1">
               <a:rPr lang="en-US" smtClean="0"/>
-              <a:t>3/27/22</a:t>
+              <a:t>3/28/22</a:t>
             </a:fld>
             <a:endParaRPr lang="en-US"/>
           </a:p>
@@ -10484,8 +10485,8 @@
           </a:prstGeom>
         </p:spPr>
       </p:pic>
-      <mc:AlternateContent xmlns:mc="http://schemas.openxmlformats.org/markup-compatibility/2006">
-        <mc:Choice xmlns:a14="http://schemas.microsoft.com/office/drawing/2010/main" Requires="a14">
+      <mc:AlternateContent xmlns:mc="http://schemas.openxmlformats.org/markup-compatibility/2006" xmlns:a14="http://schemas.microsoft.com/office/drawing/2010/main">
+        <mc:Choice Requires="a14">
           <p:sp>
             <p:nvSpPr>
               <p:cNvPr id="11" name="TextBox 10">
@@ -10766,7 +10767,7 @@
             </p:txBody>
           </p:sp>
         </mc:Choice>
-        <mc:Fallback>
+        <mc:Fallback xmlns="">
           <p:sp>
             <p:nvSpPr>
               <p:cNvPr id="11" name="TextBox 10">
@@ -21200,8 +21201,8 @@
           </a:fontRef>
         </p:style>
       </p:cxnSp>
-      <mc:AlternateContent xmlns:mc="http://schemas.openxmlformats.org/markup-compatibility/2006">
-        <mc:Choice xmlns:a14="http://schemas.microsoft.com/office/drawing/2010/main" Requires="a14">
+      <mc:AlternateContent xmlns:mc="http://schemas.openxmlformats.org/markup-compatibility/2006" xmlns:a14="http://schemas.microsoft.com/office/drawing/2010/main">
+        <mc:Choice Requires="a14">
           <p:sp>
             <p:nvSpPr>
               <p:cNvPr id="29" name="TextBox 28">
@@ -21288,7 +21289,7 @@
             </p:txBody>
           </p:sp>
         </mc:Choice>
-        <mc:Fallback>
+        <mc:Fallback xmlns="">
           <p:sp>
             <p:nvSpPr>
               <p:cNvPr id="29" name="TextBox 28">
@@ -22470,8 +22471,8 @@
           </a:fontRef>
         </p:style>
       </p:cxnSp>
-      <mc:AlternateContent xmlns:mc="http://schemas.openxmlformats.org/markup-compatibility/2006">
-        <mc:Choice xmlns:a14="http://schemas.microsoft.com/office/drawing/2010/main" Requires="a14">
+      <mc:AlternateContent xmlns:mc="http://schemas.openxmlformats.org/markup-compatibility/2006" xmlns:a14="http://schemas.microsoft.com/office/drawing/2010/main">
+        <mc:Choice Requires="a14">
           <p:sp>
             <p:nvSpPr>
               <p:cNvPr id="29" name="TextBox 28">
@@ -22558,7 +22559,7 @@
             </p:txBody>
           </p:sp>
         </mc:Choice>
-        <mc:Fallback>
+        <mc:Fallback xmlns="">
           <p:sp>
             <p:nvSpPr>
               <p:cNvPr id="29" name="TextBox 28">
@@ -22603,8 +22604,8 @@
           </p:sp>
         </mc:Fallback>
       </mc:AlternateContent>
-      <mc:AlternateContent xmlns:mc="http://schemas.openxmlformats.org/markup-compatibility/2006">
-        <mc:Choice xmlns:a14="http://schemas.microsoft.com/office/drawing/2010/main" Requires="a14">
+      <mc:AlternateContent xmlns:mc="http://schemas.openxmlformats.org/markup-compatibility/2006" xmlns:a14="http://schemas.microsoft.com/office/drawing/2010/main">
+        <mc:Choice Requires="a14">
           <p:sp>
             <p:nvSpPr>
               <p:cNvPr id="24" name="TextBox 23">
@@ -22844,7 +22845,7 @@
             </p:txBody>
           </p:sp>
         </mc:Choice>
-        <mc:Fallback>
+        <mc:Fallback xmlns="">
           <p:sp>
             <p:nvSpPr>
               <p:cNvPr id="24" name="TextBox 23">
@@ -23303,8 +23304,14 @@
           <p:nvPr/>
         </p:nvPicPr>
         <p:blipFill rotWithShape="1">
-          <a:blip r:embed="rId4"/>
-          <a:srcRect t="11357"/>
+          <a:blip r:embed="rId4" cstate="email">
+            <a:extLst>
+              <a:ext uri="{28A0092B-C50C-407E-A947-70E740481C1C}">
+                <a14:useLocalDpi xmlns:a14="http://schemas.microsoft.com/office/drawing/2010/main"/>
+              </a:ext>
+            </a:extLst>
+          </a:blip>
+          <a:srcRect/>
           <a:stretch/>
         </p:blipFill>
         <p:spPr>
@@ -23497,7 +23504,13 @@
           <p:nvPr/>
         </p:nvPicPr>
         <p:blipFill>
-          <a:blip r:embed="rId4"/>
+          <a:blip r:embed="rId4" cstate="email">
+            <a:extLst>
+              <a:ext uri="{28A0092B-C50C-407E-A947-70E740481C1C}">
+                <a14:useLocalDpi xmlns:a14="http://schemas.microsoft.com/office/drawing/2010/main"/>
+              </a:ext>
+            </a:extLst>
+          </a:blip>
           <a:stretch>
             <a:fillRect/>
           </a:stretch>
@@ -23621,7 +23634,13 @@
           <p:nvPr/>
         </p:nvPicPr>
         <p:blipFill>
-          <a:blip r:embed="rId3"/>
+          <a:blip r:embed="rId3" cstate="email">
+            <a:extLst>
+              <a:ext uri="{28A0092B-C50C-407E-A947-70E740481C1C}">
+                <a14:useLocalDpi xmlns:a14="http://schemas.microsoft.com/office/drawing/2010/main"/>
+              </a:ext>
+            </a:extLst>
+          </a:blip>
           <a:stretch>
             <a:fillRect/>
           </a:stretch>
@@ -24260,7 +24279,13 @@
           <p:nvPr/>
         </p:nvPicPr>
         <p:blipFill>
-          <a:blip r:embed="rId4"/>
+          <a:blip r:embed="rId4" cstate="email">
+            <a:extLst>
+              <a:ext uri="{28A0092B-C50C-407E-A947-70E740481C1C}">
+                <a14:useLocalDpi xmlns:a14="http://schemas.microsoft.com/office/drawing/2010/main"/>
+              </a:ext>
+            </a:extLst>
+          </a:blip>
           <a:stretch>
             <a:fillRect/>
           </a:stretch>
@@ -24454,8 +24479,14 @@
           <p:nvPr/>
         </p:nvPicPr>
         <p:blipFill rotWithShape="1">
-          <a:blip r:embed="rId2"/>
-          <a:srcRect l="11067" t="25222"/>
+          <a:blip r:embed="rId2" cstate="email">
+            <a:extLst>
+              <a:ext uri="{28A0092B-C50C-407E-A947-70E740481C1C}">
+                <a14:useLocalDpi xmlns:a14="http://schemas.microsoft.com/office/drawing/2010/main"/>
+              </a:ext>
+            </a:extLst>
+          </a:blip>
+          <a:srcRect/>
           <a:stretch/>
         </p:blipFill>
         <p:spPr>
@@ -24618,6 +24649,127 @@
     <p:extLst>
       <p:ext uri="{BB962C8B-B14F-4D97-AF65-F5344CB8AC3E}">
         <p14:creationId xmlns:p14="http://schemas.microsoft.com/office/powerpoint/2010/main" val="326671742"/>
+      </p:ext>
+    </p:extLst>
+  </p:cSld>
+  <p:clrMapOvr>
+    <a:masterClrMapping/>
+  </p:clrMapOvr>
+</p:sld>
+</file>
+
+<file path=ppt/slides/slide57.xml><?xml version="1.0" encoding="utf-8"?>
+<p:sld xmlns:a="http://schemas.openxmlformats.org/drawingml/2006/main" xmlns:r="http://schemas.openxmlformats.org/officeDocument/2006/relationships" xmlns:p="http://schemas.openxmlformats.org/presentationml/2006/main">
+  <p:cSld>
+    <p:spTree>
+      <p:nvGrpSpPr>
+        <p:cNvPr id="1" name=""/>
+        <p:cNvGrpSpPr/>
+        <p:nvPr/>
+      </p:nvGrpSpPr>
+      <p:grpSpPr>
+        <a:xfrm>
+          <a:off x="0" y="0"/>
+          <a:ext cx="0" cy="0"/>
+          <a:chOff x="0" y="0"/>
+          <a:chExt cx="0" cy="0"/>
+        </a:xfrm>
+      </p:grpSpPr>
+      <p:sp>
+        <p:nvSpPr>
+          <p:cNvPr id="2" name="Title 1">
+            <a:extLst>
+              <a:ext uri="{FF2B5EF4-FFF2-40B4-BE49-F238E27FC236}">
+                <a16:creationId xmlns:a16="http://schemas.microsoft.com/office/drawing/2014/main" id="{6515E916-E4D6-4D4E-9FE6-76844DAD5941}"/>
+              </a:ext>
+            </a:extLst>
+          </p:cNvPr>
+          <p:cNvSpPr>
+            <a:spLocks noGrp="1"/>
+          </p:cNvSpPr>
+          <p:nvPr>
+            <p:ph type="title"/>
+          </p:nvPr>
+        </p:nvSpPr>
+        <p:spPr>
+          <a:xfrm>
+            <a:off x="518337" y="2019300"/>
+            <a:ext cx="11673663" cy="2743835"/>
+          </a:xfrm>
+        </p:spPr>
+        <p:txBody>
+          <a:bodyPr>
+            <a:noAutofit/>
+          </a:bodyPr>
+          <a:lstStyle/>
+          <a:p>
+            <a:r>
+              <a:rPr lang="en-US" sz="6000" b="1" dirty="0">
+                <a:latin typeface="+mn-lt"/>
+                <a:ea typeface="+mn-ea"/>
+                <a:cs typeface="+mn-cs"/>
+              </a:rPr>
+              <a:t>Thank You!</a:t>
+            </a:r>
+            <a:br>
+              <a:rPr lang="en-US" sz="6000" b="1" dirty="0">
+                <a:latin typeface="+mn-lt"/>
+                <a:ea typeface="+mn-ea"/>
+                <a:cs typeface="+mn-cs"/>
+              </a:rPr>
+            </a:br>
+            <a:br>
+              <a:rPr lang="en-US" sz="6000" b="1" dirty="0">
+                <a:latin typeface="+mn-lt"/>
+                <a:ea typeface="+mn-ea"/>
+                <a:cs typeface="+mn-cs"/>
+              </a:rPr>
+            </a:br>
+            <a:r>
+              <a:rPr lang="en-US" sz="6000" b="1" dirty="0">
+                <a:latin typeface="+mn-lt"/>
+                <a:ea typeface="+mn-ea"/>
+                <a:cs typeface="+mn-cs"/>
+              </a:rPr>
+              <a:t>Enjoy the School Week!</a:t>
+            </a:r>
+          </a:p>
+        </p:txBody>
+      </p:sp>
+      <p:sp>
+        <p:nvSpPr>
+          <p:cNvPr id="3" name="Slide Number Placeholder 2">
+            <a:extLst>
+              <a:ext uri="{FF2B5EF4-FFF2-40B4-BE49-F238E27FC236}">
+                <a16:creationId xmlns:a16="http://schemas.microsoft.com/office/drawing/2014/main" id="{8FB3C507-9CBB-2144-8A8D-8592F8B2A474}"/>
+              </a:ext>
+            </a:extLst>
+          </p:cNvPr>
+          <p:cNvSpPr>
+            <a:spLocks noGrp="1"/>
+          </p:cNvSpPr>
+          <p:nvPr>
+            <p:ph type="sldNum" sz="quarter" idx="12"/>
+          </p:nvPr>
+        </p:nvSpPr>
+        <p:spPr/>
+        <p:txBody>
+          <a:bodyPr/>
+          <a:lstStyle/>
+          <a:p>
+            <a:fld id="{D75B69EA-F5F3-9148-B3D2-85669F9D4A27}" type="slidenum">
+              <a:rPr lang="en-US" smtClean="0"/>
+              <a:pPr/>
+              <a:t>57</a:t>
+            </a:fld>
+            <a:endParaRPr lang="en-US" dirty="0"/>
+          </a:p>
+        </p:txBody>
+      </p:sp>
+    </p:spTree>
+    <p:extLst>
+      <p:ext uri="{BB962C8B-B14F-4D97-AF65-F5344CB8AC3E}">
+        <p14:creationId xmlns:p14="http://schemas.microsoft.com/office/powerpoint/2010/main" val="1319119123"/>
       </p:ext>
     </p:extLst>
   </p:cSld>
